--- a/Py Web Unit2d.pptx
+++ b/Py Web Unit2d.pptx
@@ -18,7 +18,8 @@
     <p:sldId id="307" r:id="rId12"/>
     <p:sldId id="308" r:id="rId13"/>
     <p:sldId id="309" r:id="rId14"/>
-    <p:sldId id="303" r:id="rId15"/>
+    <p:sldId id="310" r:id="rId15"/>
+    <p:sldId id="303" r:id="rId16"/>
   </p:sldIdLst>
   <p:sldSz cx="12192000" cy="6858000"/>
   <p:notesSz cx="6858000" cy="9144000"/>
@@ -128,7 +129,7 @@
 <file path=ppt/revisionInfo.xml><?xml version="1.0" encoding="utf-8"?>
 <p1510:revInfo xmlns:a="http://schemas.openxmlformats.org/drawingml/2006/main" xmlns:r="http://schemas.openxmlformats.org/officeDocument/2006/relationships" xmlns:p1510="http://schemas.microsoft.com/office/powerpoint/2015/10/main">
   <p1510:revLst>
-    <p1510:client id="{4A6BFB3D-8FEE-49BB-BB68-AE48566889A3}" v="160" dt="2021-09-06T13:43:20.635"/>
+    <p1510:client id="{4A6BFB3D-8FEE-49BB-BB68-AE48566889A3}" v="161" dt="2021-11-15T06:22:33.110"/>
   </p1510:revLst>
 </p1510:revInfo>
 </file>
@@ -4615,7 +4616,7 @@
   <pc:docChgLst>
     <pc:chgData name="Li Lixiang" userId="6104bbfcb56aea79" providerId="LiveId" clId="{4A6BFB3D-8FEE-49BB-BB68-AE48566889A3}"/>
     <pc:docChg chg="undo custSel addSld delSld modSld sldOrd">
-      <pc:chgData name="Li Lixiang" userId="6104bbfcb56aea79" providerId="LiveId" clId="{4A6BFB3D-8FEE-49BB-BB68-AE48566889A3}" dt="2021-09-07T13:27:48.153" v="4873" actId="20577"/>
+      <pc:chgData name="Li Lixiang" userId="6104bbfcb56aea79" providerId="LiveId" clId="{4A6BFB3D-8FEE-49BB-BB68-AE48566889A3}" dt="2021-11-16T06:15:20.445" v="5313" actId="27636"/>
       <pc:docMkLst>
         <pc:docMk/>
       </pc:docMkLst>
@@ -5226,8 +5227,8 @@
           <pc:sldMk cId="2025691371" sldId="306"/>
         </pc:sldMkLst>
       </pc:sldChg>
-      <pc:sldChg chg="addSp modSp new mod">
-        <pc:chgData name="Li Lixiang" userId="6104bbfcb56aea79" providerId="LiveId" clId="{4A6BFB3D-8FEE-49BB-BB68-AE48566889A3}" dt="2021-09-06T09:32:53.234" v="3945" actId="1076"/>
+      <pc:sldChg chg="addSp delSp modSp new mod">
+        <pc:chgData name="Li Lixiang" userId="6104bbfcb56aea79" providerId="LiveId" clId="{4A6BFB3D-8FEE-49BB-BB68-AE48566889A3}" dt="2021-11-13T15:02:12.998" v="4927" actId="20577"/>
         <pc:sldMkLst>
           <pc:docMk/>
           <pc:sldMk cId="3331037591" sldId="306"/>
@@ -5241,24 +5242,32 @@
           </ac:spMkLst>
         </pc:spChg>
         <pc:spChg chg="mod">
-          <ac:chgData name="Li Lixiang" userId="6104bbfcb56aea79" providerId="LiveId" clId="{4A6BFB3D-8FEE-49BB-BB68-AE48566889A3}" dt="2021-09-06T09:32:46.525" v="3944" actId="20577"/>
+          <ac:chgData name="Li Lixiang" userId="6104bbfcb56aea79" providerId="LiveId" clId="{4A6BFB3D-8FEE-49BB-BB68-AE48566889A3}" dt="2021-11-13T15:02:12.998" v="4927" actId="20577"/>
           <ac:spMkLst>
             <pc:docMk/>
             <pc:sldMk cId="3331037591" sldId="306"/>
             <ac:spMk id="3" creationId="{2932234A-E92B-49C5-B9D5-7B55F4C61DD2}"/>
           </ac:spMkLst>
         </pc:spChg>
-        <pc:picChg chg="add mod">
-          <ac:chgData name="Li Lixiang" userId="6104bbfcb56aea79" providerId="LiveId" clId="{4A6BFB3D-8FEE-49BB-BB68-AE48566889A3}" dt="2021-09-06T09:32:53.234" v="3945" actId="1076"/>
+        <pc:picChg chg="add del mod">
+          <ac:chgData name="Li Lixiang" userId="6104bbfcb56aea79" providerId="LiveId" clId="{4A6BFB3D-8FEE-49BB-BB68-AE48566889A3}" dt="2021-11-13T15:01:59.663" v="4922" actId="478"/>
           <ac:picMkLst>
             <pc:docMk/>
             <pc:sldMk cId="3331037591" sldId="306"/>
             <ac:picMk id="5" creationId="{8E062B13-FC6A-4F5F-B988-AF5993DBC647}"/>
           </ac:picMkLst>
         </pc:picChg>
+        <pc:picChg chg="add mod">
+          <ac:chgData name="Li Lixiang" userId="6104bbfcb56aea79" providerId="LiveId" clId="{4A6BFB3D-8FEE-49BB-BB68-AE48566889A3}" dt="2021-11-13T15:02:04.002" v="4925" actId="1076"/>
+          <ac:picMkLst>
+            <pc:docMk/>
+            <pc:sldMk cId="3331037591" sldId="306"/>
+            <ac:picMk id="6" creationId="{3F751F02-AE11-4F93-8682-05591A4ED6C1}"/>
+          </ac:picMkLst>
+        </pc:picChg>
       </pc:sldChg>
       <pc:sldChg chg="addSp delSp modSp add mod ord">
-        <pc:chgData name="Li Lixiang" userId="6104bbfcb56aea79" providerId="LiveId" clId="{4A6BFB3D-8FEE-49BB-BB68-AE48566889A3}" dt="2021-09-06T12:14:01.416" v="4062" actId="1076"/>
+        <pc:chgData name="Li Lixiang" userId="6104bbfcb56aea79" providerId="LiveId" clId="{4A6BFB3D-8FEE-49BB-BB68-AE48566889A3}" dt="2021-11-16T06:15:20.445" v="5313" actId="27636"/>
         <pc:sldMkLst>
           <pc:docMk/>
           <pc:sldMk cId="2973422102" sldId="307"/>
@@ -5271,6 +5280,22 @@
             <ac:spMk id="2" creationId="{3F8D8956-5174-4E63-9EE2-BBF79E13BF68}"/>
           </ac:spMkLst>
         </pc:spChg>
+        <pc:spChg chg="mod">
+          <ac:chgData name="Li Lixiang" userId="6104bbfcb56aea79" providerId="LiveId" clId="{4A6BFB3D-8FEE-49BB-BB68-AE48566889A3}" dt="2021-11-16T06:15:20.445" v="5313" actId="27636"/>
+          <ac:spMkLst>
+            <pc:docMk/>
+            <pc:sldMk cId="2973422102" sldId="307"/>
+            <ac:spMk id="6" creationId="{8461C477-03DE-4ECD-AD75-958E6C044E41}"/>
+          </ac:spMkLst>
+        </pc:spChg>
+        <pc:picChg chg="add del mod">
+          <ac:chgData name="Li Lixiang" userId="6104bbfcb56aea79" providerId="LiveId" clId="{4A6BFB3D-8FEE-49BB-BB68-AE48566889A3}" dt="2021-11-16T06:15:10.475" v="5309" actId="478"/>
+          <ac:picMkLst>
+            <pc:docMk/>
+            <pc:sldMk cId="2973422102" sldId="307"/>
+            <ac:picMk id="4" creationId="{0362E257-18CE-4744-B6CE-CB597107EA7F}"/>
+          </ac:picMkLst>
+        </pc:picChg>
         <pc:picChg chg="add del mod">
           <ac:chgData name="Li Lixiang" userId="6104bbfcb56aea79" providerId="LiveId" clId="{4A6BFB3D-8FEE-49BB-BB68-AE48566889A3}" dt="2021-09-06T12:13:55.027" v="4059" actId="478"/>
           <ac:picMkLst>
@@ -5279,14 +5304,22 @@
             <ac:picMk id="4" creationId="{90420A6E-E3A3-4AFE-B131-5B43165A588F}"/>
           </ac:picMkLst>
         </pc:picChg>
-        <pc:picChg chg="add mod">
-          <ac:chgData name="Li Lixiang" userId="6104bbfcb56aea79" providerId="LiveId" clId="{4A6BFB3D-8FEE-49BB-BB68-AE48566889A3}" dt="2021-09-06T12:14:01.416" v="4062" actId="1076"/>
+        <pc:picChg chg="add del mod">
+          <ac:chgData name="Li Lixiang" userId="6104bbfcb56aea79" providerId="LiveId" clId="{4A6BFB3D-8FEE-49BB-BB68-AE48566889A3}" dt="2021-11-15T04:19:36.451" v="4928" actId="478"/>
           <ac:picMkLst>
             <pc:docMk/>
             <pc:sldMk cId="2973422102" sldId="307"/>
             <ac:picMk id="5" creationId="{660F7D6E-6F4A-44DB-8EE3-3EDBD79C3EC5}"/>
           </ac:picMkLst>
         </pc:picChg>
+        <pc:picChg chg="add mod">
+          <ac:chgData name="Li Lixiang" userId="6104bbfcb56aea79" providerId="LiveId" clId="{4A6BFB3D-8FEE-49BB-BB68-AE48566889A3}" dt="2021-11-16T06:15:14.628" v="5311" actId="1076"/>
+          <ac:picMkLst>
+            <pc:docMk/>
+            <pc:sldMk cId="2973422102" sldId="307"/>
+            <ac:picMk id="5" creationId="{F58875C8-FAB0-42D8-B1B1-DF771A1E834D}"/>
+          </ac:picMkLst>
+        </pc:picChg>
         <pc:picChg chg="del">
           <ac:chgData name="Li Lixiang" userId="6104bbfcb56aea79" providerId="LiveId" clId="{4A6BFB3D-8FEE-49BB-BB68-AE48566889A3}" dt="2021-09-06T11:01:20.491" v="3968" actId="478"/>
           <ac:picMkLst>
@@ -5349,7 +5382,7 @@
         </pc:sldMkLst>
       </pc:sldChg>
       <pc:sldChg chg="addSp delSp modSp new mod">
-        <pc:chgData name="Li Lixiang" userId="6104bbfcb56aea79" providerId="LiveId" clId="{4A6BFB3D-8FEE-49BB-BB68-AE48566889A3}" dt="2021-09-06T13:43:27.401" v="4838" actId="478"/>
+        <pc:chgData name="Li Lixiang" userId="6104bbfcb56aea79" providerId="LiveId" clId="{4A6BFB3D-8FEE-49BB-BB68-AE48566889A3}" dt="2021-10-18T04:26:32.866" v="4921" actId="6549"/>
         <pc:sldMkLst>
           <pc:docMk/>
           <pc:sldMk cId="3616968247" sldId="309"/>
@@ -5371,7 +5404,7 @@
           </ac:spMkLst>
         </pc:spChg>
         <pc:spChg chg="add mod">
-          <ac:chgData name="Li Lixiang" userId="6104bbfcb56aea79" providerId="LiveId" clId="{4A6BFB3D-8FEE-49BB-BB68-AE48566889A3}" dt="2021-09-06T13:43:24.595" v="4837" actId="1076"/>
+          <ac:chgData name="Li Lixiang" userId="6104bbfcb56aea79" providerId="LiveId" clId="{4A6BFB3D-8FEE-49BB-BB68-AE48566889A3}" dt="2021-10-18T04:26:23.296" v="4892" actId="20577"/>
           <ac:spMkLst>
             <pc:docMk/>
             <pc:sldMk cId="3616968247" sldId="309"/>
@@ -5379,13 +5412,92 @@
           </ac:spMkLst>
         </pc:spChg>
         <pc:spChg chg="add mod">
-          <ac:chgData name="Li Lixiang" userId="6104bbfcb56aea79" providerId="LiveId" clId="{4A6BFB3D-8FEE-49BB-BB68-AE48566889A3}" dt="2021-09-06T13:43:24.595" v="4837" actId="1076"/>
+          <ac:chgData name="Li Lixiang" userId="6104bbfcb56aea79" providerId="LiveId" clId="{4A6BFB3D-8FEE-49BB-BB68-AE48566889A3}" dt="2021-10-18T04:26:32.866" v="4921" actId="6549"/>
           <ac:spMkLst>
             <pc:docMk/>
             <pc:sldMk cId="3616968247" sldId="309"/>
             <ac:spMk id="5" creationId="{8701067B-6168-4936-8855-20D516C2BE3E}"/>
           </ac:spMkLst>
         </pc:spChg>
+      </pc:sldChg>
+      <pc:sldChg chg="addSp delSp modSp new mod">
+        <pc:chgData name="Li Lixiang" userId="6104bbfcb56aea79" providerId="LiveId" clId="{4A6BFB3D-8FEE-49BB-BB68-AE48566889A3}" dt="2021-11-15T06:25:49.313" v="5308" actId="20577"/>
+        <pc:sldMkLst>
+          <pc:docMk/>
+          <pc:sldMk cId="2995702032" sldId="310"/>
+        </pc:sldMkLst>
+        <pc:spChg chg="mod">
+          <ac:chgData name="Li Lixiang" userId="6104bbfcb56aea79" providerId="LiveId" clId="{4A6BFB3D-8FEE-49BB-BB68-AE48566889A3}" dt="2021-11-15T06:21:35.572" v="4967" actId="20577"/>
+          <ac:spMkLst>
+            <pc:docMk/>
+            <pc:sldMk cId="2995702032" sldId="310"/>
+            <ac:spMk id="2" creationId="{37B8E76E-55AB-4FF2-B82B-CDD88C07E3C2}"/>
+          </ac:spMkLst>
+        </pc:spChg>
+        <pc:spChg chg="del">
+          <ac:chgData name="Li Lixiang" userId="6104bbfcb56aea79" providerId="LiveId" clId="{4A6BFB3D-8FEE-49BB-BB68-AE48566889A3}" dt="2021-11-15T06:21:13.480" v="4934" actId="478"/>
+          <ac:spMkLst>
+            <pc:docMk/>
+            <pc:sldMk cId="2995702032" sldId="310"/>
+            <ac:spMk id="3" creationId="{2370A47C-0913-442E-9742-7477582BB6CF}"/>
+          </ac:spMkLst>
+        </pc:spChg>
+        <pc:spChg chg="add mod">
+          <ac:chgData name="Li Lixiang" userId="6104bbfcb56aea79" providerId="LiveId" clId="{4A6BFB3D-8FEE-49BB-BB68-AE48566889A3}" dt="2021-11-15T06:24:17.376" v="5116" actId="20577"/>
+          <ac:spMkLst>
+            <pc:docMk/>
+            <pc:sldMk cId="2995702032" sldId="310"/>
+            <ac:spMk id="7" creationId="{5A10E5E9-75F0-461B-B1BA-04AE80DBA078}"/>
+          </ac:spMkLst>
+        </pc:spChg>
+        <pc:spChg chg="add mod">
+          <ac:chgData name="Li Lixiang" userId="6104bbfcb56aea79" providerId="LiveId" clId="{4A6BFB3D-8FEE-49BB-BB68-AE48566889A3}" dt="2021-11-15T06:25:49.313" v="5308" actId="20577"/>
+          <ac:spMkLst>
+            <pc:docMk/>
+            <pc:sldMk cId="2995702032" sldId="310"/>
+            <ac:spMk id="8" creationId="{3A3DBCEB-9389-4719-B50E-28E3565D84BE}"/>
+          </ac:spMkLst>
+        </pc:spChg>
+        <pc:spChg chg="add mod">
+          <ac:chgData name="Li Lixiang" userId="6104bbfcb56aea79" providerId="LiveId" clId="{4A6BFB3D-8FEE-49BB-BB68-AE48566889A3}" dt="2021-11-15T06:23:41.146" v="5044" actId="14100"/>
+          <ac:spMkLst>
+            <pc:docMk/>
+            <pc:sldMk cId="2995702032" sldId="310"/>
+            <ac:spMk id="10" creationId="{5B7E901D-52A1-46E2-A46C-0DC8BB194F8C}"/>
+          </ac:spMkLst>
+        </pc:spChg>
+        <pc:spChg chg="add mod">
+          <ac:chgData name="Li Lixiang" userId="6104bbfcb56aea79" providerId="LiveId" clId="{4A6BFB3D-8FEE-49BB-BB68-AE48566889A3}" dt="2021-11-15T06:24:48.637" v="5120" actId="14100"/>
+          <ac:spMkLst>
+            <pc:docMk/>
+            <pc:sldMk cId="2995702032" sldId="310"/>
+            <ac:spMk id="11" creationId="{BE8304BF-61D7-47EF-9D4B-445C34111ABA}"/>
+          </ac:spMkLst>
+        </pc:spChg>
+        <pc:picChg chg="add mod modCrop">
+          <ac:chgData name="Li Lixiang" userId="6104bbfcb56aea79" providerId="LiveId" clId="{4A6BFB3D-8FEE-49BB-BB68-AE48566889A3}" dt="2021-11-15T06:24:30.959" v="5118" actId="1076"/>
+          <ac:picMkLst>
+            <pc:docMk/>
+            <pc:sldMk cId="2995702032" sldId="310"/>
+            <ac:picMk id="5" creationId="{7FD245FC-0041-4222-AFBD-AAEC948BD6AE}"/>
+          </ac:picMkLst>
+        </pc:picChg>
+        <pc:cxnChg chg="add mod">
+          <ac:chgData name="Li Lixiang" userId="6104bbfcb56aea79" providerId="LiveId" clId="{4A6BFB3D-8FEE-49BB-BB68-AE48566889A3}" dt="2021-11-15T06:23:12.163" v="4976" actId="14100"/>
+          <ac:cxnSpMkLst>
+            <pc:docMk/>
+            <pc:sldMk cId="2995702032" sldId="310"/>
+            <ac:cxnSpMk id="6" creationId="{1DAE8465-DF66-4D3C-AA30-6C552839145C}"/>
+          </ac:cxnSpMkLst>
+        </pc:cxnChg>
+        <pc:cxnChg chg="add mod">
+          <ac:chgData name="Li Lixiang" userId="6104bbfcb56aea79" providerId="LiveId" clId="{4A6BFB3D-8FEE-49BB-BB68-AE48566889A3}" dt="2021-11-15T06:24:55.419" v="5122" actId="14100"/>
+          <ac:cxnSpMkLst>
+            <pc:docMk/>
+            <pc:sldMk cId="2995702032" sldId="310"/>
+            <ac:cxnSpMk id="9" creationId="{FBCF4B56-1BE6-47AD-96A6-74CDB8A3062C}"/>
+          </ac:cxnSpMkLst>
+        </pc:cxnChg>
       </pc:sldChg>
       <pc:sldChg chg="del">
         <pc:chgData name="Li Lixiang" userId="6104bbfcb56aea79" providerId="LiveId" clId="{4A6BFB3D-8FEE-49BB-BB68-AE48566889A3}" dt="2021-09-05T05:33:33.050" v="0" actId="47"/>
@@ -5804,7 +5916,7 @@
             <a:fld id="{A5B0A250-5CC0-1746-B209-08E8B0DAE6AF}" type="datetimeFigureOut">
               <a:rPr lang="en-US" smtClean="0"/>
               <a:pPr algn="l"/>
-              <a:t>9/7/2021</a:t>
+              <a:t>11/16/2021</a:t>
             </a:fld>
             <a:endParaRPr lang="en-US" dirty="0"/>
           </a:p>
@@ -5983,7 +6095,7 @@
           <a:p>
             <a:fld id="{A5B0A250-5CC0-1746-B209-08E8B0DAE6AF}" type="datetimeFigureOut">
               <a:rPr lang="en-US" smtClean="0"/>
-              <a:t>9/7/2021</a:t>
+              <a:t>11/16/2021</a:t>
             </a:fld>
             <a:endParaRPr lang="en-US" dirty="0"/>
           </a:p>
@@ -6163,7 +6275,7 @@
           <a:p>
             <a:fld id="{A5B0A250-5CC0-1746-B209-08E8B0DAE6AF}" type="datetimeFigureOut">
               <a:rPr lang="en-US" smtClean="0"/>
-              <a:t>9/7/2021</a:t>
+              <a:t>11/16/2021</a:t>
             </a:fld>
             <a:endParaRPr lang="en-US"/>
           </a:p>
@@ -6333,7 +6445,7 @@
           <a:p>
             <a:fld id="{A5B0A250-5CC0-1746-B209-08E8B0DAE6AF}" type="datetimeFigureOut">
               <a:rPr lang="en-US" smtClean="0"/>
-              <a:t>9/7/2021</a:t>
+              <a:t>11/16/2021</a:t>
             </a:fld>
             <a:endParaRPr lang="en-US" dirty="0"/>
           </a:p>
@@ -6646,7 +6758,7 @@
           <a:p>
             <a:fld id="{A5B0A250-5CC0-1746-B209-08E8B0DAE6AF}" type="datetimeFigureOut">
               <a:rPr lang="en-US" smtClean="0"/>
-              <a:t>9/7/2021</a:t>
+              <a:t>11/16/2021</a:t>
             </a:fld>
             <a:endParaRPr lang="en-US" dirty="0"/>
           </a:p>
@@ -7032,7 +7144,7 @@
           <a:p>
             <a:fld id="{A5B0A250-5CC0-1746-B209-08E8B0DAE6AF}" type="datetimeFigureOut">
               <a:rPr lang="en-US" smtClean="0"/>
-              <a:t>9/7/2021</a:t>
+              <a:t>11/16/2021</a:t>
             </a:fld>
             <a:endParaRPr lang="en-US" dirty="0"/>
           </a:p>
@@ -7466,7 +7578,7 @@
           <a:p>
             <a:fld id="{A5B0A250-5CC0-1746-B209-08E8B0DAE6AF}" type="datetimeFigureOut">
               <a:rPr lang="en-US" smtClean="0"/>
-              <a:t>9/7/2021</a:t>
+              <a:t>11/16/2021</a:t>
             </a:fld>
             <a:endParaRPr lang="en-US" dirty="0"/>
           </a:p>
@@ -7584,7 +7696,7 @@
           <a:p>
             <a:fld id="{A5B0A250-5CC0-1746-B209-08E8B0DAE6AF}" type="datetimeFigureOut">
               <a:rPr lang="en-US" smtClean="0"/>
-              <a:t>9/7/2021</a:t>
+              <a:t>11/16/2021</a:t>
             </a:fld>
             <a:endParaRPr lang="en-US" dirty="0"/>
           </a:p>
@@ -7680,7 +7792,7 @@
             <a:fld id="{A5B0A250-5CC0-1746-B209-08E8B0DAE6AF}" type="datetimeFigureOut">
               <a:rPr lang="en-US" smtClean="0"/>
               <a:pPr/>
-              <a:t>9/7/2021</a:t>
+              <a:t>11/16/2021</a:t>
             </a:fld>
             <a:endParaRPr lang="en-US" dirty="0"/>
           </a:p>
@@ -8031,7 +8143,7 @@
           <a:p>
             <a:fld id="{A5B0A250-5CC0-1746-B209-08E8B0DAE6AF}" type="datetimeFigureOut">
               <a:rPr lang="en-US" smtClean="0"/>
-              <a:t>9/7/2021</a:t>
+              <a:t>11/16/2021</a:t>
             </a:fld>
             <a:endParaRPr lang="en-US" dirty="0"/>
           </a:p>
@@ -8456,7 +8568,7 @@
           <a:p>
             <a:fld id="{A5B0A250-5CC0-1746-B209-08E8B0DAE6AF}" type="datetimeFigureOut">
               <a:rPr lang="en-US" smtClean="0"/>
-              <a:t>9/7/2021</a:t>
+              <a:t>11/16/2021</a:t>
             </a:fld>
             <a:endParaRPr lang="en-US" dirty="0"/>
           </a:p>
@@ -8738,7 +8850,7 @@
             <a:fld id="{A5B0A250-5CC0-1746-B209-08E8B0DAE6AF}" type="datetimeFigureOut">
               <a:rPr lang="en-US" smtClean="0"/>
               <a:pPr/>
-              <a:t>9/7/2021</a:t>
+              <a:t>11/16/2021</a:t>
             </a:fld>
             <a:endParaRPr lang="en-US" dirty="0"/>
           </a:p>
@@ -10054,11 +10166,13 @@
         <p:spPr>
           <a:xfrm>
             <a:off x="0" y="2460979"/>
-            <a:ext cx="2365810" cy="968021"/>
+            <a:ext cx="2247900" cy="968021"/>
           </a:xfrm>
         </p:spPr>
         <p:txBody>
-          <a:bodyPr/>
+          <a:bodyPr>
+            <a:normAutofit fontScale="92500"/>
+          </a:bodyPr>
           <a:lstStyle/>
           <a:p>
             <a:r>
@@ -10078,7 +10192,7 @@
           <p:cNvPr id="5" name="Picture 4">
             <a:extLst>
               <a:ext uri="{FF2B5EF4-FFF2-40B4-BE49-F238E27FC236}">
-                <a16:creationId xmlns:a16="http://schemas.microsoft.com/office/drawing/2014/main" id="{660F7D6E-6F4A-44DB-8EE3-3EDBD79C3EC5}"/>
+                <a16:creationId xmlns:a16="http://schemas.microsoft.com/office/drawing/2014/main" id="{F58875C8-FAB0-42D8-B1B1-DF771A1E834D}"/>
               </a:ext>
             </a:extLst>
           </p:cNvPr>
@@ -10095,8 +10209,8 @@
         </p:blipFill>
         <p:spPr>
           <a:xfrm>
-            <a:off x="2454888" y="969484"/>
-            <a:ext cx="9554908" cy="5096586"/>
+            <a:off x="2160775" y="256732"/>
+            <a:ext cx="10031225" cy="6344535"/>
           </a:xfrm>
           <a:prstGeom prst="rect">
             <a:avLst/>
@@ -10584,8 +10698,19 @@
                 <a:latin typeface="Cascadia Mono" pitchFamily="50" charset="0"/>
                 <a:cs typeface="Cascadia Mono" pitchFamily="50" charset="0"/>
               </a:rPr>
-              <a:t>PS&gt; cd 2myprj</a:t>
-            </a:r>
+              <a:t>PS&gt; cd </a:t>
+            </a:r>
+            <a:r>
+              <a:rPr lang="en-US" sz="1400" dirty="0" err="1">
+                <a:latin typeface="Cascadia Mono" pitchFamily="50" charset="0"/>
+                <a:cs typeface="Cascadia Mono" pitchFamily="50" charset="0"/>
+              </a:rPr>
+              <a:t>QuestionPrj</a:t>
+            </a:r>
+            <a:endParaRPr lang="en-US" sz="1400" dirty="0">
+              <a:latin typeface="Cascadia Mono" pitchFamily="50" charset="0"/>
+              <a:cs typeface="Cascadia Mono" pitchFamily="50" charset="0"/>
+            </a:endParaRPr>
           </a:p>
           <a:p>
             <a:pPr marL="0" indent="0">
@@ -10915,21 +11040,7 @@
                 <a:latin typeface="Cascadia Mono" pitchFamily="50" charset="0"/>
                 <a:cs typeface="Cascadia Mono" pitchFamily="50" charset="0"/>
               </a:rPr>
-              <a:t>PS&gt; git subtree push --prefix </a:t>
-            </a:r>
-            <a:r>
-              <a:rPr lang="en-MY" sz="1400" dirty="0" err="1">
-                <a:latin typeface="Cascadia Mono" pitchFamily="50" charset="0"/>
-                <a:cs typeface="Cascadia Mono" pitchFamily="50" charset="0"/>
-              </a:rPr>
-              <a:t>QuestionPrj</a:t>
-            </a:r>
-            <a:r>
-              <a:rPr lang="en-MY" sz="1400" dirty="0">
-                <a:latin typeface="Cascadia Mono" pitchFamily="50" charset="0"/>
-                <a:cs typeface="Cascadia Mono" pitchFamily="50" charset="0"/>
-              </a:rPr>
-              <a:t> </a:t>
+              <a:t>PS&gt; git push </a:t>
             </a:r>
             <a:r>
               <a:rPr lang="en-MY" sz="1400" dirty="0" err="1">
@@ -11002,6 +11113,364 @@
 </file>
 
 <file path=ppt/slides/slide14.xml><?xml version="1.0" encoding="utf-8"?>
+<p:sld xmlns:a="http://schemas.openxmlformats.org/drawingml/2006/main" xmlns:r="http://schemas.openxmlformats.org/officeDocument/2006/relationships" xmlns:p="http://schemas.openxmlformats.org/presentationml/2006/main">
+  <p:cSld>
+    <p:spTree>
+      <p:nvGrpSpPr>
+        <p:cNvPr id="1" name=""/>
+        <p:cNvGrpSpPr/>
+        <p:nvPr/>
+      </p:nvGrpSpPr>
+      <p:grpSpPr>
+        <a:xfrm>
+          <a:off x="0" y="0"/>
+          <a:ext cx="0" cy="0"/>
+          <a:chOff x="0" y="0"/>
+          <a:chExt cx="0" cy="0"/>
+        </a:xfrm>
+      </p:grpSpPr>
+      <p:sp>
+        <p:nvSpPr>
+          <p:cNvPr id="2" name="Title 1">
+            <a:extLst>
+              <a:ext uri="{FF2B5EF4-FFF2-40B4-BE49-F238E27FC236}">
+                <a16:creationId xmlns:a16="http://schemas.microsoft.com/office/drawing/2014/main" id="{37B8E76E-55AB-4FF2-B82B-CDD88C07E3C2}"/>
+              </a:ext>
+            </a:extLst>
+          </p:cNvPr>
+          <p:cNvSpPr>
+            <a:spLocks noGrp="1"/>
+          </p:cNvSpPr>
+          <p:nvPr>
+            <p:ph type="title"/>
+          </p:nvPr>
+        </p:nvSpPr>
+        <p:spPr>
+          <a:xfrm>
+            <a:off x="1069848" y="95250"/>
+            <a:ext cx="10058400" cy="1159642"/>
+          </a:xfrm>
+        </p:spPr>
+        <p:txBody>
+          <a:bodyPr>
+            <a:normAutofit/>
+          </a:bodyPr>
+          <a:lstStyle/>
+          <a:p>
+            <a:r>
+              <a:rPr lang="en-US" dirty="0"/>
+              <a:t>Check the process</a:t>
+            </a:r>
+            <a:endParaRPr lang="en-MY" dirty="0"/>
+          </a:p>
+        </p:txBody>
+      </p:sp>
+      <p:pic>
+        <p:nvPicPr>
+          <p:cNvPr id="5" name="Picture 4">
+            <a:extLst>
+              <a:ext uri="{FF2B5EF4-FFF2-40B4-BE49-F238E27FC236}">
+                <a16:creationId xmlns:a16="http://schemas.microsoft.com/office/drawing/2014/main" id="{7FD245FC-0041-4222-AFBD-AAEC948BD6AE}"/>
+              </a:ext>
+            </a:extLst>
+          </p:cNvPr>
+          <p:cNvPicPr>
+            <a:picLocks noChangeAspect="1"/>
+          </p:cNvPicPr>
+          <p:nvPr/>
+        </p:nvPicPr>
+        <p:blipFill rotWithShape="1">
+          <a:blip r:embed="rId2"/>
+          <a:srcRect t="8712" r="46248"/>
+          <a:stretch/>
+        </p:blipFill>
+        <p:spPr>
+          <a:xfrm>
+            <a:off x="3033105" y="1123076"/>
+            <a:ext cx="4882170" cy="5114925"/>
+          </a:xfrm>
+          <a:prstGeom prst="rect">
+            <a:avLst/>
+          </a:prstGeom>
+        </p:spPr>
+      </p:pic>
+      <p:cxnSp>
+        <p:nvCxnSpPr>
+          <p:cNvPr id="6" name="Straight Arrow Connector 5">
+            <a:extLst>
+              <a:ext uri="{FF2B5EF4-FFF2-40B4-BE49-F238E27FC236}">
+                <a16:creationId xmlns:a16="http://schemas.microsoft.com/office/drawing/2014/main" id="{1DAE8465-DF66-4D3C-AA30-6C552839145C}"/>
+              </a:ext>
+            </a:extLst>
+          </p:cNvPr>
+          <p:cNvCxnSpPr>
+            <a:cxnSpLocks/>
+          </p:cNvCxnSpPr>
+          <p:nvPr/>
+        </p:nvCxnSpPr>
+        <p:spPr>
+          <a:xfrm flipH="1" flipV="1">
+            <a:off x="7822540" y="2219467"/>
+            <a:ext cx="1159535" cy="173520"/>
+          </a:xfrm>
+          <a:prstGeom prst="straightConnector1">
+            <a:avLst/>
+          </a:prstGeom>
+          <a:ln>
+            <a:tailEnd type="triangle"/>
+          </a:ln>
+        </p:spPr>
+        <p:style>
+          <a:lnRef idx="1">
+            <a:schemeClr val="accent1"/>
+          </a:lnRef>
+          <a:fillRef idx="0">
+            <a:schemeClr val="accent1"/>
+          </a:fillRef>
+          <a:effectRef idx="0">
+            <a:schemeClr val="accent1"/>
+          </a:effectRef>
+          <a:fontRef idx="minor">
+            <a:schemeClr val="tx1"/>
+          </a:fontRef>
+        </p:style>
+      </p:cxnSp>
+      <p:sp>
+        <p:nvSpPr>
+          <p:cNvPr id="7" name="TextBox 6">
+            <a:extLst>
+              <a:ext uri="{FF2B5EF4-FFF2-40B4-BE49-F238E27FC236}">
+                <a16:creationId xmlns:a16="http://schemas.microsoft.com/office/drawing/2014/main" id="{5A10E5E9-75F0-461B-B1BA-04AE80DBA078}"/>
+              </a:ext>
+            </a:extLst>
+          </p:cNvPr>
+          <p:cNvSpPr txBox="1"/>
+          <p:nvPr/>
+        </p:nvSpPr>
+        <p:spPr>
+          <a:xfrm>
+            <a:off x="8982075" y="2056490"/>
+            <a:ext cx="2806799" cy="1169551"/>
+          </a:xfrm>
+          <a:prstGeom prst="rect">
+            <a:avLst/>
+          </a:prstGeom>
+          <a:noFill/>
+        </p:spPr>
+        <p:txBody>
+          <a:bodyPr wrap="square" rtlCol="0">
+            <a:spAutoFit/>
+          </a:bodyPr>
+          <a:lstStyle/>
+          <a:p>
+            <a:r>
+              <a:rPr lang="en-US" sz="1400" dirty="0"/>
+              <a:t>A user already answer all question, but come try do it again, out web site respond with the previous answer and finally back to home</a:t>
+            </a:r>
+            <a:endParaRPr lang="en-MY" sz="1400" dirty="0"/>
+          </a:p>
+        </p:txBody>
+      </p:sp>
+      <p:sp>
+        <p:nvSpPr>
+          <p:cNvPr id="8" name="TextBox 7">
+            <a:extLst>
+              <a:ext uri="{FF2B5EF4-FFF2-40B4-BE49-F238E27FC236}">
+                <a16:creationId xmlns:a16="http://schemas.microsoft.com/office/drawing/2014/main" id="{3A3DBCEB-9389-4719-B50E-28E3565D84BE}"/>
+              </a:ext>
+            </a:extLst>
+          </p:cNvPr>
+          <p:cNvSpPr txBox="1"/>
+          <p:nvPr/>
+        </p:nvSpPr>
+        <p:spPr>
+          <a:xfrm>
+            <a:off x="165843" y="3372762"/>
+            <a:ext cx="2445414" cy="1384995"/>
+          </a:xfrm>
+          <a:prstGeom prst="rect">
+            <a:avLst/>
+          </a:prstGeom>
+          <a:noFill/>
+        </p:spPr>
+        <p:txBody>
+          <a:bodyPr wrap="square" rtlCol="0">
+            <a:spAutoFit/>
+          </a:bodyPr>
+          <a:lstStyle/>
+          <a:p>
+            <a:r>
+              <a:rPr lang="en-US" sz="1400" dirty="0"/>
+              <a:t>A user start answer questions partially, then click to other pages.</a:t>
+            </a:r>
+          </a:p>
+          <a:p>
+            <a:r>
+              <a:rPr lang="en-US" sz="1400" dirty="0"/>
+              <a:t>Then start answer again, will start from the question which he had stopped. </a:t>
+            </a:r>
+            <a:endParaRPr lang="en-MY" sz="1400" dirty="0"/>
+          </a:p>
+        </p:txBody>
+      </p:sp>
+      <p:cxnSp>
+        <p:nvCxnSpPr>
+          <p:cNvPr id="9" name="Straight Arrow Connector 8">
+            <a:extLst>
+              <a:ext uri="{FF2B5EF4-FFF2-40B4-BE49-F238E27FC236}">
+                <a16:creationId xmlns:a16="http://schemas.microsoft.com/office/drawing/2014/main" id="{FBCF4B56-1BE6-47AD-96A6-74CDB8A3062C}"/>
+              </a:ext>
+            </a:extLst>
+          </p:cNvPr>
+          <p:cNvCxnSpPr>
+            <a:cxnSpLocks/>
+            <a:endCxn id="11" idx="1"/>
+          </p:cNvCxnSpPr>
+          <p:nvPr/>
+        </p:nvCxnSpPr>
+        <p:spPr>
+          <a:xfrm>
+            <a:off x="2329126" y="3543300"/>
+            <a:ext cx="2445414" cy="456007"/>
+          </a:xfrm>
+          <a:prstGeom prst="straightConnector1">
+            <a:avLst/>
+          </a:prstGeom>
+          <a:ln>
+            <a:solidFill>
+              <a:srgbClr val="FFC000"/>
+            </a:solidFill>
+            <a:tailEnd type="triangle"/>
+          </a:ln>
+        </p:spPr>
+        <p:style>
+          <a:lnRef idx="1">
+            <a:schemeClr val="accent1"/>
+          </a:lnRef>
+          <a:fillRef idx="0">
+            <a:schemeClr val="accent1"/>
+          </a:fillRef>
+          <a:effectRef idx="0">
+            <a:schemeClr val="accent1"/>
+          </a:effectRef>
+          <a:fontRef idx="minor">
+            <a:schemeClr val="tx1"/>
+          </a:fontRef>
+        </p:style>
+      </p:cxnSp>
+      <p:sp>
+        <p:nvSpPr>
+          <p:cNvPr id="10" name="Rectangle 9">
+            <a:extLst>
+              <a:ext uri="{FF2B5EF4-FFF2-40B4-BE49-F238E27FC236}">
+                <a16:creationId xmlns:a16="http://schemas.microsoft.com/office/drawing/2014/main" id="{5B7E901D-52A1-46E2-A46C-0DC8BB194F8C}"/>
+              </a:ext>
+            </a:extLst>
+          </p:cNvPr>
+          <p:cNvSpPr/>
+          <p:nvPr/>
+        </p:nvSpPr>
+        <p:spPr>
+          <a:xfrm>
+            <a:off x="4774540" y="2056490"/>
+            <a:ext cx="3055010" cy="591460"/>
+          </a:xfrm>
+          <a:prstGeom prst="rect">
+            <a:avLst/>
+          </a:prstGeom>
+          <a:noFill/>
+        </p:spPr>
+        <p:style>
+          <a:lnRef idx="2">
+            <a:schemeClr val="accent1">
+              <a:shade val="50000"/>
+            </a:schemeClr>
+          </a:lnRef>
+          <a:fillRef idx="1">
+            <a:schemeClr val="accent1"/>
+          </a:fillRef>
+          <a:effectRef idx="0">
+            <a:schemeClr val="accent1"/>
+          </a:effectRef>
+          <a:fontRef idx="minor">
+            <a:schemeClr val="lt1"/>
+          </a:fontRef>
+        </p:style>
+        <p:txBody>
+          <a:bodyPr rtlCol="0" anchor="ctr"/>
+          <a:lstStyle/>
+          <a:p>
+            <a:pPr algn="ctr"/>
+            <a:endParaRPr lang="en-MY"/>
+          </a:p>
+        </p:txBody>
+      </p:sp>
+      <p:sp>
+        <p:nvSpPr>
+          <p:cNvPr id="11" name="Rectangle 10">
+            <a:extLst>
+              <a:ext uri="{FF2B5EF4-FFF2-40B4-BE49-F238E27FC236}">
+                <a16:creationId xmlns:a16="http://schemas.microsoft.com/office/drawing/2014/main" id="{BE8304BF-61D7-47EF-9D4B-445C34111ABA}"/>
+              </a:ext>
+            </a:extLst>
+          </p:cNvPr>
+          <p:cNvSpPr/>
+          <p:nvPr/>
+        </p:nvSpPr>
+        <p:spPr>
+          <a:xfrm>
+            <a:off x="4774540" y="3226589"/>
+            <a:ext cx="3048000" cy="1545436"/>
+          </a:xfrm>
+          <a:prstGeom prst="rect">
+            <a:avLst/>
+          </a:prstGeom>
+          <a:noFill/>
+          <a:ln>
+            <a:solidFill>
+              <a:srgbClr val="FFC000"/>
+            </a:solidFill>
+          </a:ln>
+        </p:spPr>
+        <p:style>
+          <a:lnRef idx="2">
+            <a:schemeClr val="accent1">
+              <a:shade val="50000"/>
+            </a:schemeClr>
+          </a:lnRef>
+          <a:fillRef idx="1">
+            <a:schemeClr val="accent1"/>
+          </a:fillRef>
+          <a:effectRef idx="0">
+            <a:schemeClr val="accent1"/>
+          </a:effectRef>
+          <a:fontRef idx="minor">
+            <a:schemeClr val="lt1"/>
+          </a:fontRef>
+        </p:style>
+        <p:txBody>
+          <a:bodyPr rtlCol="0" anchor="ctr"/>
+          <a:lstStyle/>
+          <a:p>
+            <a:pPr algn="ctr"/>
+            <a:endParaRPr lang="en-MY"/>
+          </a:p>
+        </p:txBody>
+      </p:sp>
+    </p:spTree>
+    <p:extLst>
+      <p:ext uri="{BB962C8B-B14F-4D97-AF65-F5344CB8AC3E}">
+        <p14:creationId xmlns:p14="http://schemas.microsoft.com/office/powerpoint/2010/main" val="2995702032"/>
+      </p:ext>
+    </p:extLst>
+  </p:cSld>
+  <p:clrMapOvr>
+    <a:masterClrMapping/>
+  </p:clrMapOvr>
+</p:sld>
+</file>
+
+<file path=ppt/slides/slide15.xml><?xml version="1.0" encoding="utf-8"?>
 <p:sld xmlns:a="http://schemas.openxmlformats.org/drawingml/2006/main" xmlns:r="http://schemas.openxmlformats.org/officeDocument/2006/relationships" xmlns:p="http://schemas.openxmlformats.org/presentationml/2006/main">
   <p:cSld>
     <p:spTree>
@@ -12239,7 +12708,7 @@
           <a:p>
             <a:r>
               <a:rPr lang="en-US" dirty="0"/>
-              <a:t>When session more than 60s no activities, session will expire, browser will invalid the cookie</a:t>
+              <a:t>When session more than 10s no activities, session will expire, browser will invalid the cookie</a:t>
             </a:r>
           </a:p>
           <a:p>
@@ -12253,10 +12722,10 @@
       </p:sp>
       <p:pic>
         <p:nvPicPr>
-          <p:cNvPr id="5" name="Picture 4">
+          <p:cNvPr id="6" name="Picture 5">
             <a:extLst>
               <a:ext uri="{FF2B5EF4-FFF2-40B4-BE49-F238E27FC236}">
-                <a16:creationId xmlns:a16="http://schemas.microsoft.com/office/drawing/2014/main" id="{8E062B13-FC6A-4F5F-B988-AF5993DBC647}"/>
+                <a16:creationId xmlns:a16="http://schemas.microsoft.com/office/drawing/2014/main" id="{3F751F02-AE11-4F93-8682-05591A4ED6C1}"/>
               </a:ext>
             </a:extLst>
           </p:cNvPr>
@@ -12273,8 +12742,8 @@
         </p:blipFill>
         <p:spPr>
           <a:xfrm>
-            <a:off x="2977144" y="4324607"/>
-            <a:ext cx="4906060" cy="943107"/>
+            <a:off x="2831011" y="4032301"/>
+            <a:ext cx="4925112" cy="1124107"/>
           </a:xfrm>
           <a:prstGeom prst="rect">
             <a:avLst/>

--- a/Py Web Unit2d.pptx
+++ b/Py Web Unit2d.pptx
@@ -129,7 +129,7 @@
 <file path=ppt/revisionInfo.xml><?xml version="1.0" encoding="utf-8"?>
 <p1510:revInfo xmlns:a="http://schemas.openxmlformats.org/drawingml/2006/main" xmlns:r="http://schemas.openxmlformats.org/officeDocument/2006/relationships" xmlns:p1510="http://schemas.microsoft.com/office/powerpoint/2015/10/main">
   <p1510:revLst>
-    <p1510:client id="{4A6BFB3D-8FEE-49BB-BB68-AE48566889A3}" v="161" dt="2021-11-15T06:22:33.110"/>
+    <p1510:client id="{4A6BFB3D-8FEE-49BB-BB68-AE48566889A3}" v="162" dt="2021-12-16T12:31:06.630"/>
   </p1510:revLst>
 </p1510:revInfo>
 </file>
@@ -4616,7 +4616,7 @@
   <pc:docChgLst>
     <pc:chgData name="Li Lixiang" userId="6104bbfcb56aea79" providerId="LiveId" clId="{4A6BFB3D-8FEE-49BB-BB68-AE48566889A3}"/>
     <pc:docChg chg="undo custSel addSld delSld modSld sldOrd">
-      <pc:chgData name="Li Lixiang" userId="6104bbfcb56aea79" providerId="LiveId" clId="{4A6BFB3D-8FEE-49BB-BB68-AE48566889A3}" dt="2021-11-16T06:15:20.445" v="5313" actId="27636"/>
+      <pc:chgData name="Li Lixiang" userId="6104bbfcb56aea79" providerId="LiveId" clId="{4A6BFB3D-8FEE-49BB-BB68-AE48566889A3}" dt="2021-12-16T12:31:16.360" v="5317" actId="478"/>
       <pc:docMkLst>
         <pc:docMk/>
       </pc:docMkLst>
@@ -4810,7 +4810,7 @@
         </pc:sldMkLst>
       </pc:sldChg>
       <pc:sldChg chg="addSp delSp modSp add mod">
-        <pc:chgData name="Li Lixiang" userId="6104bbfcb56aea79" providerId="LiveId" clId="{4A6BFB3D-8FEE-49BB-BB68-AE48566889A3}" dt="2021-09-05T09:50:06.821" v="3240" actId="6549"/>
+        <pc:chgData name="Li Lixiang" userId="6104bbfcb56aea79" providerId="LiveId" clId="{4A6BFB3D-8FEE-49BB-BB68-AE48566889A3}" dt="2021-12-16T12:31:16.360" v="5317" actId="478"/>
         <pc:sldMkLst>
           <pc:docMk/>
           <pc:sldMk cId="3599348019" sldId="299"/>
@@ -4903,6 +4903,14 @@
             <ac:spMk id="20" creationId="{C200E3F8-2A84-44D1-9E29-B199C59447C0}"/>
           </ac:spMkLst>
         </pc:spChg>
+        <pc:grpChg chg="del mod">
+          <ac:chgData name="Li Lixiang" userId="6104bbfcb56aea79" providerId="LiveId" clId="{4A6BFB3D-8FEE-49BB-BB68-AE48566889A3}" dt="2021-12-16T12:31:16.360" v="5317" actId="478"/>
+          <ac:grpSpMkLst>
+            <pc:docMk/>
+            <pc:sldMk cId="3599348019" sldId="299"/>
+            <ac:grpSpMk id="12" creationId="{305C5C30-AE81-4B54-AC96-EF555765E6EA}"/>
+          </ac:grpSpMkLst>
+        </pc:grpChg>
         <pc:graphicFrameChg chg="add del mod modGraphic">
           <ac:chgData name="Li Lixiang" userId="6104bbfcb56aea79" providerId="LiveId" clId="{4A6BFB3D-8FEE-49BB-BB68-AE48566889A3}" dt="2021-09-05T09:19:32.631" v="1443" actId="478"/>
           <ac:graphicFrameMkLst>
@@ -4911,6 +4919,22 @@
             <ac:graphicFrameMk id="4" creationId="{C6DEF133-1F8C-4F3C-AA04-CE86E6788B40}"/>
           </ac:graphicFrameMkLst>
         </pc:graphicFrameChg>
+        <pc:inkChg chg="add mod">
+          <ac:chgData name="Li Lixiang" userId="6104bbfcb56aea79" providerId="LiveId" clId="{4A6BFB3D-8FEE-49BB-BB68-AE48566889A3}" dt="2021-12-16T12:31:06.629" v="5316"/>
+          <ac:inkMkLst>
+            <pc:docMk/>
+            <pc:sldMk cId="3599348019" sldId="299"/>
+            <ac:inkMk id="4" creationId="{4EFE3305-EEDB-434F-A819-89124C9EDB3A}"/>
+          </ac:inkMkLst>
+        </pc:inkChg>
+        <pc:inkChg chg="add mod">
+          <ac:chgData name="Li Lixiang" userId="6104bbfcb56aea79" providerId="LiveId" clId="{4A6BFB3D-8FEE-49BB-BB68-AE48566889A3}" dt="2021-12-16T12:31:06.629" v="5316"/>
+          <ac:inkMkLst>
+            <pc:docMk/>
+            <pc:sldMk cId="3599348019" sldId="299"/>
+            <ac:inkMk id="6" creationId="{67A55425-5FC1-44D0-B52D-E18C19234136}"/>
+          </ac:inkMkLst>
+        </pc:inkChg>
         <pc:cxnChg chg="add mod">
           <ac:chgData name="Li Lixiang" userId="6104bbfcb56aea79" providerId="LiveId" clId="{4A6BFB3D-8FEE-49BB-BB68-AE48566889A3}" dt="2021-09-05T09:41:49.070" v="2776" actId="1035"/>
           <ac:cxnSpMkLst>
@@ -5916,7 +5940,7 @@
             <a:fld id="{A5B0A250-5CC0-1746-B209-08E8B0DAE6AF}" type="datetimeFigureOut">
               <a:rPr lang="en-US" smtClean="0"/>
               <a:pPr algn="l"/>
-              <a:t>11/16/2021</a:t>
+              <a:t>12/16/2021</a:t>
             </a:fld>
             <a:endParaRPr lang="en-US" dirty="0"/>
           </a:p>
@@ -6095,7 +6119,7 @@
           <a:p>
             <a:fld id="{A5B0A250-5CC0-1746-B209-08E8B0DAE6AF}" type="datetimeFigureOut">
               <a:rPr lang="en-US" smtClean="0"/>
-              <a:t>11/16/2021</a:t>
+              <a:t>12/16/2021</a:t>
             </a:fld>
             <a:endParaRPr lang="en-US" dirty="0"/>
           </a:p>
@@ -6275,7 +6299,7 @@
           <a:p>
             <a:fld id="{A5B0A250-5CC0-1746-B209-08E8B0DAE6AF}" type="datetimeFigureOut">
               <a:rPr lang="en-US" smtClean="0"/>
-              <a:t>11/16/2021</a:t>
+              <a:t>12/16/2021</a:t>
             </a:fld>
             <a:endParaRPr lang="en-US"/>
           </a:p>
@@ -6445,7 +6469,7 @@
           <a:p>
             <a:fld id="{A5B0A250-5CC0-1746-B209-08E8B0DAE6AF}" type="datetimeFigureOut">
               <a:rPr lang="en-US" smtClean="0"/>
-              <a:t>11/16/2021</a:t>
+              <a:t>12/16/2021</a:t>
             </a:fld>
             <a:endParaRPr lang="en-US" dirty="0"/>
           </a:p>
@@ -6758,7 +6782,7 @@
           <a:p>
             <a:fld id="{A5B0A250-5CC0-1746-B209-08E8B0DAE6AF}" type="datetimeFigureOut">
               <a:rPr lang="en-US" smtClean="0"/>
-              <a:t>11/16/2021</a:t>
+              <a:t>12/16/2021</a:t>
             </a:fld>
             <a:endParaRPr lang="en-US" dirty="0"/>
           </a:p>
@@ -7144,7 +7168,7 @@
           <a:p>
             <a:fld id="{A5B0A250-5CC0-1746-B209-08E8B0DAE6AF}" type="datetimeFigureOut">
               <a:rPr lang="en-US" smtClean="0"/>
-              <a:t>11/16/2021</a:t>
+              <a:t>12/16/2021</a:t>
             </a:fld>
             <a:endParaRPr lang="en-US" dirty="0"/>
           </a:p>
@@ -7578,7 +7602,7 @@
           <a:p>
             <a:fld id="{A5B0A250-5CC0-1746-B209-08E8B0DAE6AF}" type="datetimeFigureOut">
               <a:rPr lang="en-US" smtClean="0"/>
-              <a:t>11/16/2021</a:t>
+              <a:t>12/16/2021</a:t>
             </a:fld>
             <a:endParaRPr lang="en-US" dirty="0"/>
           </a:p>
@@ -7696,7 +7720,7 @@
           <a:p>
             <a:fld id="{A5B0A250-5CC0-1746-B209-08E8B0DAE6AF}" type="datetimeFigureOut">
               <a:rPr lang="en-US" smtClean="0"/>
-              <a:t>11/16/2021</a:t>
+              <a:t>12/16/2021</a:t>
             </a:fld>
             <a:endParaRPr lang="en-US" dirty="0"/>
           </a:p>
@@ -7792,7 +7816,7 @@
             <a:fld id="{A5B0A250-5CC0-1746-B209-08E8B0DAE6AF}" type="datetimeFigureOut">
               <a:rPr lang="en-US" smtClean="0"/>
               <a:pPr/>
-              <a:t>11/16/2021</a:t>
+              <a:t>12/16/2021</a:t>
             </a:fld>
             <a:endParaRPr lang="en-US" dirty="0"/>
           </a:p>
@@ -8143,7 +8167,7 @@
           <a:p>
             <a:fld id="{A5B0A250-5CC0-1746-B209-08E8B0DAE6AF}" type="datetimeFigureOut">
               <a:rPr lang="en-US" smtClean="0"/>
-              <a:t>11/16/2021</a:t>
+              <a:t>12/16/2021</a:t>
             </a:fld>
             <a:endParaRPr lang="en-US" dirty="0"/>
           </a:p>
@@ -8568,7 +8592,7 @@
           <a:p>
             <a:fld id="{A5B0A250-5CC0-1746-B209-08E8B0DAE6AF}" type="datetimeFigureOut">
               <a:rPr lang="en-US" smtClean="0"/>
-              <a:t>11/16/2021</a:t>
+              <a:t>12/16/2021</a:t>
             </a:fld>
             <a:endParaRPr lang="en-US" dirty="0"/>
           </a:p>
@@ -8850,7 +8874,7 @@
             <a:fld id="{A5B0A250-5CC0-1746-B209-08E8B0DAE6AF}" type="datetimeFigureOut">
               <a:rPr lang="en-US" smtClean="0"/>
               <a:pPr/>
-              <a:t>11/16/2021</a:t>
+              <a:t>12/16/2021</a:t>
             </a:fld>
             <a:endParaRPr lang="en-US" dirty="0"/>
           </a:p>

--- a/Py Web Unit2d.pptx
+++ b/Py Web Unit2d.pptx
@@ -4616,7 +4616,7 @@
   <pc:docChgLst>
     <pc:chgData name="Li Lixiang" userId="6104bbfcb56aea79" providerId="LiveId" clId="{4A6BFB3D-8FEE-49BB-BB68-AE48566889A3}"/>
     <pc:docChg chg="undo custSel addSld delSld modSld sldOrd">
-      <pc:chgData name="Li Lixiang" userId="6104bbfcb56aea79" providerId="LiveId" clId="{4A6BFB3D-8FEE-49BB-BB68-AE48566889A3}" dt="2021-12-16T12:31:16.360" v="5317" actId="478"/>
+      <pc:chgData name="Li Lixiang" userId="6104bbfcb56aea79" providerId="LiveId" clId="{4A6BFB3D-8FEE-49BB-BB68-AE48566889A3}" dt="2022-01-06T11:50:44.269" v="5485" actId="1076"/>
       <pc:docMkLst>
         <pc:docMk/>
       </pc:docMkLst>
@@ -5252,7 +5252,7 @@
         </pc:sldMkLst>
       </pc:sldChg>
       <pc:sldChg chg="addSp delSp modSp new mod">
-        <pc:chgData name="Li Lixiang" userId="6104bbfcb56aea79" providerId="LiveId" clId="{4A6BFB3D-8FEE-49BB-BB68-AE48566889A3}" dt="2021-11-13T15:02:12.998" v="4927" actId="20577"/>
+        <pc:chgData name="Li Lixiang" userId="6104bbfcb56aea79" providerId="LiveId" clId="{4A6BFB3D-8FEE-49BB-BB68-AE48566889A3}" dt="2022-01-06T11:50:44.269" v="5485" actId="1076"/>
         <pc:sldMkLst>
           <pc:docMk/>
           <pc:sldMk cId="3331037591" sldId="306"/>
@@ -5266,7 +5266,7 @@
           </ac:spMkLst>
         </pc:spChg>
         <pc:spChg chg="mod">
-          <ac:chgData name="Li Lixiang" userId="6104bbfcb56aea79" providerId="LiveId" clId="{4A6BFB3D-8FEE-49BB-BB68-AE48566889A3}" dt="2021-11-13T15:02:12.998" v="4927" actId="20577"/>
+          <ac:chgData name="Li Lixiang" userId="6104bbfcb56aea79" providerId="LiveId" clId="{4A6BFB3D-8FEE-49BB-BB68-AE48566889A3}" dt="2022-01-06T11:50:02.943" v="5482" actId="20577"/>
           <ac:spMkLst>
             <pc:docMk/>
             <pc:sldMk cId="3331037591" sldId="306"/>
@@ -5282,7 +5282,15 @@
           </ac:picMkLst>
         </pc:picChg>
         <pc:picChg chg="add mod">
-          <ac:chgData name="Li Lixiang" userId="6104bbfcb56aea79" providerId="LiveId" clId="{4A6BFB3D-8FEE-49BB-BB68-AE48566889A3}" dt="2021-11-13T15:02:04.002" v="4925" actId="1076"/>
+          <ac:chgData name="Li Lixiang" userId="6104bbfcb56aea79" providerId="LiveId" clId="{4A6BFB3D-8FEE-49BB-BB68-AE48566889A3}" dt="2022-01-06T11:50:44.269" v="5485" actId="1076"/>
+          <ac:picMkLst>
+            <pc:docMk/>
+            <pc:sldMk cId="3331037591" sldId="306"/>
+            <ac:picMk id="5" creationId="{A75BD4B3-35EF-4E98-A858-525608A02C0E}"/>
+          </ac:picMkLst>
+        </pc:picChg>
+        <pc:picChg chg="add del mod">
+          <ac:chgData name="Li Lixiang" userId="6104bbfcb56aea79" providerId="LiveId" clId="{4A6BFB3D-8FEE-49BB-BB68-AE48566889A3}" dt="2022-01-06T11:50:12.858" v="5483" actId="478"/>
           <ac:picMkLst>
             <pc:docMk/>
             <pc:sldMk cId="3331037591" sldId="306"/>
@@ -5940,7 +5948,7 @@
             <a:fld id="{A5B0A250-5CC0-1746-B209-08E8B0DAE6AF}" type="datetimeFigureOut">
               <a:rPr lang="en-US" smtClean="0"/>
               <a:pPr algn="l"/>
-              <a:t>12/16/2021</a:t>
+              <a:t>1/6/2022</a:t>
             </a:fld>
             <a:endParaRPr lang="en-US" dirty="0"/>
           </a:p>
@@ -6119,7 +6127,7 @@
           <a:p>
             <a:fld id="{A5B0A250-5CC0-1746-B209-08E8B0DAE6AF}" type="datetimeFigureOut">
               <a:rPr lang="en-US" smtClean="0"/>
-              <a:t>12/16/2021</a:t>
+              <a:t>1/6/2022</a:t>
             </a:fld>
             <a:endParaRPr lang="en-US" dirty="0"/>
           </a:p>
@@ -6299,7 +6307,7 @@
           <a:p>
             <a:fld id="{A5B0A250-5CC0-1746-B209-08E8B0DAE6AF}" type="datetimeFigureOut">
               <a:rPr lang="en-US" smtClean="0"/>
-              <a:t>12/16/2021</a:t>
+              <a:t>1/6/2022</a:t>
             </a:fld>
             <a:endParaRPr lang="en-US"/>
           </a:p>
@@ -6469,7 +6477,7 @@
           <a:p>
             <a:fld id="{A5B0A250-5CC0-1746-B209-08E8B0DAE6AF}" type="datetimeFigureOut">
               <a:rPr lang="en-US" smtClean="0"/>
-              <a:t>12/16/2021</a:t>
+              <a:t>1/6/2022</a:t>
             </a:fld>
             <a:endParaRPr lang="en-US" dirty="0"/>
           </a:p>
@@ -6782,7 +6790,7 @@
           <a:p>
             <a:fld id="{A5B0A250-5CC0-1746-B209-08E8B0DAE6AF}" type="datetimeFigureOut">
               <a:rPr lang="en-US" smtClean="0"/>
-              <a:t>12/16/2021</a:t>
+              <a:t>1/6/2022</a:t>
             </a:fld>
             <a:endParaRPr lang="en-US" dirty="0"/>
           </a:p>
@@ -7168,7 +7176,7 @@
           <a:p>
             <a:fld id="{A5B0A250-5CC0-1746-B209-08E8B0DAE6AF}" type="datetimeFigureOut">
               <a:rPr lang="en-US" smtClean="0"/>
-              <a:t>12/16/2021</a:t>
+              <a:t>1/6/2022</a:t>
             </a:fld>
             <a:endParaRPr lang="en-US" dirty="0"/>
           </a:p>
@@ -7602,7 +7610,7 @@
           <a:p>
             <a:fld id="{A5B0A250-5CC0-1746-B209-08E8B0DAE6AF}" type="datetimeFigureOut">
               <a:rPr lang="en-US" smtClean="0"/>
-              <a:t>12/16/2021</a:t>
+              <a:t>1/6/2022</a:t>
             </a:fld>
             <a:endParaRPr lang="en-US" dirty="0"/>
           </a:p>
@@ -7720,7 +7728,7 @@
           <a:p>
             <a:fld id="{A5B0A250-5CC0-1746-B209-08E8B0DAE6AF}" type="datetimeFigureOut">
               <a:rPr lang="en-US" smtClean="0"/>
-              <a:t>12/16/2021</a:t>
+              <a:t>1/6/2022</a:t>
             </a:fld>
             <a:endParaRPr lang="en-US" dirty="0"/>
           </a:p>
@@ -7816,7 +7824,7 @@
             <a:fld id="{A5B0A250-5CC0-1746-B209-08E8B0DAE6AF}" type="datetimeFigureOut">
               <a:rPr lang="en-US" smtClean="0"/>
               <a:pPr/>
-              <a:t>12/16/2021</a:t>
+              <a:t>1/6/2022</a:t>
             </a:fld>
             <a:endParaRPr lang="en-US" dirty="0"/>
           </a:p>
@@ -8167,7 +8175,7 @@
           <a:p>
             <a:fld id="{A5B0A250-5CC0-1746-B209-08E8B0DAE6AF}" type="datetimeFigureOut">
               <a:rPr lang="en-US" smtClean="0"/>
-              <a:t>12/16/2021</a:t>
+              <a:t>1/6/2022</a:t>
             </a:fld>
             <a:endParaRPr lang="en-US" dirty="0"/>
           </a:p>
@@ -8592,7 +8600,7 @@
           <a:p>
             <a:fld id="{A5B0A250-5CC0-1746-B209-08E8B0DAE6AF}" type="datetimeFigureOut">
               <a:rPr lang="en-US" smtClean="0"/>
-              <a:t>12/16/2021</a:t>
+              <a:t>1/6/2022</a:t>
             </a:fld>
             <a:endParaRPr lang="en-US" dirty="0"/>
           </a:p>
@@ -8874,7 +8882,7 @@
             <a:fld id="{A5B0A250-5CC0-1746-B209-08E8B0DAE6AF}" type="datetimeFigureOut">
               <a:rPr lang="en-US" smtClean="0"/>
               <a:pPr/>
-              <a:t>12/16/2021</a:t>
+              <a:t>1/6/2022</a:t>
             </a:fld>
             <a:endParaRPr lang="en-US" dirty="0"/>
           </a:p>
@@ -12738,18 +12746,17 @@
           <a:p>
             <a:r>
               <a:rPr lang="en-US" dirty="0"/>
-              <a:t>Whenever there is a request, session will be extended</a:t>
-            </a:r>
-            <a:endParaRPr lang="en-MY" dirty="0"/>
+              <a:t>The SESSION_SAVE_EVERY_REQUEST, will save session data on every request even the session data did not change. Normally does not need it.</a:t>
+            </a:r>
           </a:p>
         </p:txBody>
       </p:sp>
       <p:pic>
         <p:nvPicPr>
-          <p:cNvPr id="6" name="Picture 5">
+          <p:cNvPr id="5" name="Picture 4">
             <a:extLst>
               <a:ext uri="{FF2B5EF4-FFF2-40B4-BE49-F238E27FC236}">
-                <a16:creationId xmlns:a16="http://schemas.microsoft.com/office/drawing/2014/main" id="{3F751F02-AE11-4F93-8682-05591A4ED6C1}"/>
+                <a16:creationId xmlns:a16="http://schemas.microsoft.com/office/drawing/2014/main" id="{A75BD4B3-35EF-4E98-A858-525608A02C0E}"/>
               </a:ext>
             </a:extLst>
           </p:cNvPr>
@@ -12766,8 +12773,8 @@
         </p:blipFill>
         <p:spPr>
           <a:xfrm>
-            <a:off x="2831011" y="4032301"/>
-            <a:ext cx="4925112" cy="1124107"/>
+            <a:off x="2885708" y="4538586"/>
+            <a:ext cx="5258534" cy="1095528"/>
           </a:xfrm>
           <a:prstGeom prst="rect">
             <a:avLst/>
